--- a/0 발표용 파워포인트/0522 3차발표/0522 project06 - 파워포인트 - 민기.pptx
+++ b/0 발표용 파워포인트/0522 3차발표/0522 project06 - 파워포인트 - 민기.pptx
@@ -12836,6 +12836,463 @@
           </a:fontRef>
         </p:style>
       </p:cxnSp>
+      <p:sp>
+        <p:nvSpPr>
+          <p:cNvPr id="14" name="직사각형 13"/>
+          <p:cNvSpPr/>
+          <p:nvPr/>
+        </p:nvSpPr>
+        <p:spPr>
+          <a:xfrm>
+            <a:off x="8064314" y="3682391"/>
+            <a:ext cx="3484607" cy="2677656"/>
+          </a:xfrm>
+          <a:prstGeom prst="rect">
+            <a:avLst/>
+          </a:prstGeom>
+          <a:solidFill>
+            <a:schemeClr val="bg1"/>
+          </a:solidFill>
+          <a:ln>
+            <a:solidFill>
+              <a:schemeClr val="tx1"/>
+            </a:solidFill>
+          </a:ln>
+        </p:spPr>
+        <p:txBody>
+          <a:bodyPr wrap="square">
+            <a:spAutoFit/>
+          </a:bodyPr>
+          <a:lstStyle/>
+          <a:p>
+            <a:r>
+              <a:rPr lang="ko-KR" altLang="en-US" sz="1400" dirty="0" err="1" smtClean="0">
+                <a:solidFill>
+                  <a:sysClr val="windowText" lastClr="000000"/>
+                </a:solidFill>
+                <a:latin typeface="Consolas" panose="020B0609020204030204" pitchFamily="49" charset="0"/>
+              </a:rPr>
+              <a:t>최신순</a:t>
+            </a:r>
+            <a:endParaRPr lang="en-US" altLang="ko-KR" sz="1400" dirty="0" smtClean="0">
+              <a:solidFill>
+                <a:sysClr val="windowText" lastClr="000000"/>
+              </a:solidFill>
+              <a:latin typeface="Consolas" panose="020B0609020204030204" pitchFamily="49" charset="0"/>
+            </a:endParaRPr>
+          </a:p>
+          <a:p>
+            <a:r>
+              <a:rPr lang="en-US" altLang="ko-KR" sz="1400" dirty="0" smtClean="0">
+                <a:solidFill>
+                  <a:srgbClr val="008080"/>
+                </a:solidFill>
+                <a:latin typeface="Consolas" panose="020B0609020204030204" pitchFamily="49" charset="0"/>
+              </a:rPr>
+              <a:t>&lt;</a:t>
+            </a:r>
+            <a:r>
+              <a:rPr lang="en-US" altLang="ko-KR" sz="1400" dirty="0">
+                <a:solidFill>
+                  <a:srgbClr val="3F7F7F"/>
+                </a:solidFill>
+                <a:latin typeface="Consolas" panose="020B0609020204030204" pitchFamily="49" charset="0"/>
+              </a:rPr>
+              <a:t>if </a:t>
+            </a:r>
+            <a:r>
+              <a:rPr lang="en-US" altLang="ko-KR" sz="1400" dirty="0">
+                <a:solidFill>
+                  <a:srgbClr val="7F007F"/>
+                </a:solidFill>
+                <a:latin typeface="Consolas" panose="020B0609020204030204" pitchFamily="49" charset="0"/>
+              </a:rPr>
+              <a:t>test</a:t>
+            </a:r>
+            <a:r>
+              <a:rPr lang="en-US" altLang="ko-KR" sz="1400" dirty="0">
+                <a:solidFill>
+                  <a:srgbClr val="000000"/>
+                </a:solidFill>
+                <a:latin typeface="Consolas" panose="020B0609020204030204" pitchFamily="49" charset="0"/>
+              </a:rPr>
+              <a:t>=</a:t>
+            </a:r>
+            <a:r>
+              <a:rPr lang="en-US" altLang="ko-KR" sz="1400" dirty="0">
+                <a:solidFill>
+                  <a:srgbClr val="2A00FF"/>
+                </a:solidFill>
+                <a:latin typeface="Consolas" panose="020B0609020204030204" pitchFamily="49" charset="0"/>
+              </a:rPr>
+              <a:t>"sort=='recent'"</a:t>
+            </a:r>
+            <a:r>
+              <a:rPr lang="en-US" altLang="ko-KR" sz="1400" dirty="0">
+                <a:solidFill>
+                  <a:srgbClr val="008080"/>
+                </a:solidFill>
+                <a:latin typeface="Consolas" panose="020B0609020204030204" pitchFamily="49" charset="0"/>
+              </a:rPr>
+              <a:t>&gt;</a:t>
+            </a:r>
+          </a:p>
+          <a:p>
+            <a:r>
+              <a:rPr lang="en-US" altLang="ko-KR" sz="1400" dirty="0" smtClean="0">
+                <a:solidFill>
+                  <a:srgbClr val="000000"/>
+                </a:solidFill>
+                <a:latin typeface="Consolas" panose="020B0609020204030204" pitchFamily="49" charset="0"/>
+              </a:rPr>
+              <a:t>   ORDER </a:t>
+            </a:r>
+            <a:r>
+              <a:rPr lang="en-US" altLang="ko-KR" sz="1400" dirty="0">
+                <a:solidFill>
+                  <a:srgbClr val="000000"/>
+                </a:solidFill>
+                <a:latin typeface="Consolas" panose="020B0609020204030204" pitchFamily="49" charset="0"/>
+              </a:rPr>
+              <a:t>BY PRO_START_DATE DESC</a:t>
+            </a:r>
+          </a:p>
+          <a:p>
+            <a:r>
+              <a:rPr lang="en-US" altLang="ko-KR" sz="1400" dirty="0">
+                <a:solidFill>
+                  <a:srgbClr val="008080"/>
+                </a:solidFill>
+                <a:latin typeface="Consolas" panose="020B0609020204030204" pitchFamily="49" charset="0"/>
+              </a:rPr>
+              <a:t>&lt;/</a:t>
+            </a:r>
+            <a:r>
+              <a:rPr lang="en-US" altLang="ko-KR" sz="1400" dirty="0">
+                <a:solidFill>
+                  <a:srgbClr val="3F7F7F"/>
+                </a:solidFill>
+                <a:latin typeface="Consolas" panose="020B0609020204030204" pitchFamily="49" charset="0"/>
+              </a:rPr>
+              <a:t>if</a:t>
+            </a:r>
+            <a:r>
+              <a:rPr lang="en-US" altLang="ko-KR" sz="1400" dirty="0" smtClean="0">
+                <a:solidFill>
+                  <a:srgbClr val="008080"/>
+                </a:solidFill>
+                <a:latin typeface="Consolas" panose="020B0609020204030204" pitchFamily="49" charset="0"/>
+              </a:rPr>
+              <a:t>&gt;</a:t>
+            </a:r>
+          </a:p>
+          <a:p>
+            <a:r>
+              <a:rPr lang="ko-KR" altLang="en-US" sz="1400" dirty="0" err="1" smtClean="0">
+                <a:solidFill>
+                  <a:sysClr val="windowText" lastClr="000000"/>
+                </a:solidFill>
+                <a:latin typeface="Consolas" panose="020B0609020204030204" pitchFamily="49" charset="0"/>
+              </a:rPr>
+              <a:t>펀딩금액순</a:t>
+            </a:r>
+            <a:endParaRPr lang="en-US" altLang="ko-KR" sz="1400" dirty="0">
+              <a:solidFill>
+                <a:srgbClr val="008080"/>
+              </a:solidFill>
+              <a:latin typeface="Consolas" panose="020B0609020204030204" pitchFamily="49" charset="0"/>
+            </a:endParaRPr>
+          </a:p>
+          <a:p>
+            <a:r>
+              <a:rPr lang="en-US" altLang="ko-KR" sz="1400" dirty="0">
+                <a:solidFill>
+                  <a:srgbClr val="008080"/>
+                </a:solidFill>
+                <a:latin typeface="Consolas" panose="020B0609020204030204" pitchFamily="49" charset="0"/>
+              </a:rPr>
+              <a:t>&lt;</a:t>
+            </a:r>
+            <a:r>
+              <a:rPr lang="en-US" altLang="ko-KR" sz="1400" dirty="0">
+                <a:solidFill>
+                  <a:srgbClr val="3F7F7F"/>
+                </a:solidFill>
+                <a:latin typeface="Consolas" panose="020B0609020204030204" pitchFamily="49" charset="0"/>
+              </a:rPr>
+              <a:t>if </a:t>
+            </a:r>
+            <a:r>
+              <a:rPr lang="en-US" altLang="ko-KR" sz="1400" dirty="0">
+                <a:solidFill>
+                  <a:srgbClr val="7F007F"/>
+                </a:solidFill>
+                <a:latin typeface="Consolas" panose="020B0609020204030204" pitchFamily="49" charset="0"/>
+              </a:rPr>
+              <a:t>test</a:t>
+            </a:r>
+            <a:r>
+              <a:rPr lang="en-US" altLang="ko-KR" sz="1400" dirty="0" smtClean="0">
+                <a:solidFill>
+                  <a:srgbClr val="000000"/>
+                </a:solidFill>
+                <a:latin typeface="Consolas" panose="020B0609020204030204" pitchFamily="49" charset="0"/>
+              </a:rPr>
+              <a:t>=</a:t>
+            </a:r>
+            <a:r>
+              <a:rPr lang="en-US" altLang="ko-KR" sz="1400" dirty="0" smtClean="0">
+                <a:solidFill>
+                  <a:srgbClr val="2A00FF"/>
+                </a:solidFill>
+                <a:latin typeface="Consolas" panose="020B0609020204030204" pitchFamily="49" charset="0"/>
+              </a:rPr>
+              <a:t>＂sort==＇amount＇＂</a:t>
+            </a:r>
+            <a:r>
+              <a:rPr lang="en-US" altLang="ko-KR" sz="1400" dirty="0" smtClean="0">
+                <a:solidFill>
+                  <a:srgbClr val="008080"/>
+                </a:solidFill>
+                <a:latin typeface="Consolas" panose="020B0609020204030204" pitchFamily="49" charset="0"/>
+              </a:rPr>
+              <a:t>&gt;</a:t>
+            </a:r>
+            <a:endParaRPr lang="en-US" altLang="ko-KR" sz="1400" dirty="0">
+              <a:solidFill>
+                <a:srgbClr val="008080"/>
+              </a:solidFill>
+              <a:latin typeface="Consolas" panose="020B0609020204030204" pitchFamily="49" charset="0"/>
+            </a:endParaRPr>
+          </a:p>
+          <a:p>
+            <a:r>
+              <a:rPr lang="en-US" altLang="ko-KR" sz="1400" dirty="0" smtClean="0">
+                <a:solidFill>
+                  <a:srgbClr val="000000"/>
+                </a:solidFill>
+                <a:latin typeface="Consolas" panose="020B0609020204030204" pitchFamily="49" charset="0"/>
+              </a:rPr>
+              <a:t>   ORDER </a:t>
+            </a:r>
+            <a:r>
+              <a:rPr lang="en-US" altLang="ko-KR" sz="1400" dirty="0">
+                <a:solidFill>
+                  <a:srgbClr val="000000"/>
+                </a:solidFill>
+                <a:latin typeface="Consolas" panose="020B0609020204030204" pitchFamily="49" charset="0"/>
+              </a:rPr>
+              <a:t>BY </a:t>
+            </a:r>
+            <a:r>
+              <a:rPr lang="en-US" altLang="ko-KR" sz="1400" dirty="0" smtClean="0">
+                <a:solidFill>
+                  <a:srgbClr val="000000"/>
+                </a:solidFill>
+                <a:latin typeface="Consolas" panose="020B0609020204030204" pitchFamily="49" charset="0"/>
+              </a:rPr>
+              <a:t>PRO_MONEY ASC</a:t>
+            </a:r>
+            <a:endParaRPr lang="en-US" altLang="ko-KR" sz="1400" dirty="0">
+              <a:solidFill>
+                <a:srgbClr val="000000"/>
+              </a:solidFill>
+              <a:latin typeface="Consolas" panose="020B0609020204030204" pitchFamily="49" charset="0"/>
+            </a:endParaRPr>
+          </a:p>
+          <a:p>
+            <a:r>
+              <a:rPr lang="en-US" altLang="ko-KR" sz="1400" dirty="0">
+                <a:solidFill>
+                  <a:srgbClr val="008080"/>
+                </a:solidFill>
+                <a:latin typeface="Consolas" panose="020B0609020204030204" pitchFamily="49" charset="0"/>
+              </a:rPr>
+              <a:t>&lt;/</a:t>
+            </a:r>
+            <a:r>
+              <a:rPr lang="en-US" altLang="ko-KR" sz="1400" dirty="0">
+                <a:solidFill>
+                  <a:srgbClr val="3F7F7F"/>
+                </a:solidFill>
+                <a:latin typeface="Consolas" panose="020B0609020204030204" pitchFamily="49" charset="0"/>
+              </a:rPr>
+              <a:t>if</a:t>
+            </a:r>
+            <a:r>
+              <a:rPr lang="en-US" altLang="ko-KR" sz="1400" dirty="0" smtClean="0">
+                <a:solidFill>
+                  <a:srgbClr val="008080"/>
+                </a:solidFill>
+                <a:latin typeface="Consolas" panose="020B0609020204030204" pitchFamily="49" charset="0"/>
+              </a:rPr>
+              <a:t>&gt;</a:t>
+            </a:r>
+          </a:p>
+          <a:p>
+            <a:r>
+              <a:rPr lang="ko-KR" altLang="en-US" sz="1400" dirty="0" err="1" smtClean="0">
+                <a:solidFill>
+                  <a:sysClr val="windowText" lastClr="000000"/>
+                </a:solidFill>
+                <a:latin typeface="Consolas" panose="020B0609020204030204" pitchFamily="49" charset="0"/>
+              </a:rPr>
+              <a:t>마감임박순</a:t>
+            </a:r>
+            <a:endParaRPr lang="en-US" altLang="ko-KR" sz="1400" dirty="0">
+              <a:solidFill>
+                <a:srgbClr val="008080"/>
+              </a:solidFill>
+              <a:latin typeface="Consolas" panose="020B0609020204030204" pitchFamily="49" charset="0"/>
+            </a:endParaRPr>
+          </a:p>
+          <a:p>
+            <a:r>
+              <a:rPr lang="en-US" altLang="ko-KR" sz="1400" dirty="0">
+                <a:solidFill>
+                  <a:srgbClr val="008080"/>
+                </a:solidFill>
+                <a:latin typeface="Consolas" panose="020B0609020204030204" pitchFamily="49" charset="0"/>
+              </a:rPr>
+              <a:t>&lt;</a:t>
+            </a:r>
+            <a:r>
+              <a:rPr lang="en-US" altLang="ko-KR" sz="1400" dirty="0">
+                <a:solidFill>
+                  <a:srgbClr val="3F7F7F"/>
+                </a:solidFill>
+                <a:latin typeface="Consolas" panose="020B0609020204030204" pitchFamily="49" charset="0"/>
+              </a:rPr>
+              <a:t>if </a:t>
+            </a:r>
+            <a:r>
+              <a:rPr lang="en-US" altLang="ko-KR" sz="1400" dirty="0">
+                <a:solidFill>
+                  <a:srgbClr val="7F007F"/>
+                </a:solidFill>
+                <a:latin typeface="Consolas" panose="020B0609020204030204" pitchFamily="49" charset="0"/>
+              </a:rPr>
+              <a:t>test</a:t>
+            </a:r>
+            <a:r>
+              <a:rPr lang="en-US" altLang="ko-KR" sz="1400" dirty="0" smtClean="0">
+                <a:solidFill>
+                  <a:srgbClr val="000000"/>
+                </a:solidFill>
+                <a:latin typeface="Consolas" panose="020B0609020204030204" pitchFamily="49" charset="0"/>
+              </a:rPr>
+              <a:t>=</a:t>
+            </a:r>
+            <a:r>
+              <a:rPr lang="en-US" altLang="ko-KR" sz="1400" dirty="0" smtClean="0">
+                <a:solidFill>
+                  <a:srgbClr val="2A00FF"/>
+                </a:solidFill>
+                <a:latin typeface="Consolas" panose="020B0609020204030204" pitchFamily="49" charset="0"/>
+              </a:rPr>
+              <a:t>＂sort==＇closing＇＂</a:t>
+            </a:r>
+            <a:r>
+              <a:rPr lang="en-US" altLang="ko-KR" sz="1400" dirty="0" smtClean="0">
+                <a:solidFill>
+                  <a:srgbClr val="008080"/>
+                </a:solidFill>
+                <a:latin typeface="Consolas" panose="020B0609020204030204" pitchFamily="49" charset="0"/>
+              </a:rPr>
+              <a:t>&gt;</a:t>
+            </a:r>
+            <a:endParaRPr lang="en-US" altLang="ko-KR" sz="1400" dirty="0">
+              <a:solidFill>
+                <a:srgbClr val="008080"/>
+              </a:solidFill>
+              <a:latin typeface="Consolas" panose="020B0609020204030204" pitchFamily="49" charset="0"/>
+            </a:endParaRPr>
+          </a:p>
+          <a:p>
+            <a:r>
+              <a:rPr lang="en-US" altLang="ko-KR" sz="1400" dirty="0" smtClean="0">
+                <a:solidFill>
+                  <a:srgbClr val="000000"/>
+                </a:solidFill>
+                <a:latin typeface="Consolas" panose="020B0609020204030204" pitchFamily="49" charset="0"/>
+              </a:rPr>
+              <a:t>   ORDER </a:t>
+            </a:r>
+            <a:r>
+              <a:rPr lang="en-US" altLang="ko-KR" sz="1400" dirty="0">
+                <a:solidFill>
+                  <a:srgbClr val="000000"/>
+                </a:solidFill>
+                <a:latin typeface="Consolas" panose="020B0609020204030204" pitchFamily="49" charset="0"/>
+              </a:rPr>
+              <a:t>BY </a:t>
+            </a:r>
+            <a:r>
+              <a:rPr lang="en-US" altLang="ko-KR" sz="1400" dirty="0" err="1">
+                <a:solidFill>
+                  <a:srgbClr val="000000"/>
+                </a:solidFill>
+                <a:latin typeface="Consolas" panose="020B0609020204030204" pitchFamily="49" charset="0"/>
+              </a:rPr>
+              <a:t>dday</a:t>
+            </a:r>
+            <a:r>
+              <a:rPr lang="en-US" altLang="ko-KR" sz="1400" dirty="0">
+                <a:solidFill>
+                  <a:srgbClr val="000000"/>
+                </a:solidFill>
+                <a:latin typeface="Consolas" panose="020B0609020204030204" pitchFamily="49" charset="0"/>
+              </a:rPr>
+              <a:t> </a:t>
+            </a:r>
+            <a:r>
+              <a:rPr lang="en-US" altLang="ko-KR" sz="1400" dirty="0" smtClean="0">
+                <a:solidFill>
+                  <a:srgbClr val="000000"/>
+                </a:solidFill>
+                <a:latin typeface="Consolas" panose="020B0609020204030204" pitchFamily="49" charset="0"/>
+              </a:rPr>
+              <a:t>ASC</a:t>
+            </a:r>
+            <a:endParaRPr lang="en-US" altLang="ko-KR" sz="1400" dirty="0">
+              <a:solidFill>
+                <a:srgbClr val="000000"/>
+              </a:solidFill>
+              <a:latin typeface="Consolas" panose="020B0609020204030204" pitchFamily="49" charset="0"/>
+            </a:endParaRPr>
+          </a:p>
+          <a:p>
+            <a:r>
+              <a:rPr lang="en-US" altLang="ko-KR" sz="1400" dirty="0">
+                <a:solidFill>
+                  <a:srgbClr val="008080"/>
+                </a:solidFill>
+                <a:latin typeface="Consolas" panose="020B0609020204030204" pitchFamily="49" charset="0"/>
+              </a:rPr>
+              <a:t>&lt;/</a:t>
+            </a:r>
+            <a:r>
+              <a:rPr lang="en-US" altLang="ko-KR" sz="1400" dirty="0">
+                <a:solidFill>
+                  <a:srgbClr val="3F7F7F"/>
+                </a:solidFill>
+                <a:latin typeface="Consolas" panose="020B0609020204030204" pitchFamily="49" charset="0"/>
+              </a:rPr>
+              <a:t>if</a:t>
+            </a:r>
+            <a:r>
+              <a:rPr lang="en-US" altLang="ko-KR" sz="1400" dirty="0">
+                <a:solidFill>
+                  <a:srgbClr val="008080"/>
+                </a:solidFill>
+                <a:latin typeface="Consolas" panose="020B0609020204030204" pitchFamily="49" charset="0"/>
+              </a:rPr>
+              <a:t>&gt;</a:t>
+            </a:r>
+            <a:endParaRPr lang="ko-KR" altLang="en-US" sz="1400" dirty="0"/>
+          </a:p>
+        </p:txBody>
+      </p:sp>
     </p:spTree>
     <p:extLst>
       <p:ext uri="{BB962C8B-B14F-4D97-AF65-F5344CB8AC3E}">
